--- a/ppt 16-9/1247.苦海的漩涡.pptx
+++ b/ppt 16-9/1247.苦海的漩涡.pptx
@@ -5,7 +5,7 @@
     <p:sldMasterId id="2147483648" r:id="rId1"/>
   </p:sldMasterIdLst>
   <p:sldIdLst>
-    <p:sldId id="789" r:id="rId2"/>
+    <p:sldId id="791" r:id="rId2"/>
   </p:sldIdLst>
   <p:sldSz cx="12192000" cy="6858000"/>
   <p:notesSz cx="6858000" cy="9144000"/>
@@ -129,7 +129,7 @@
           <p:cNvPr id="2" name="标题 1">
             <a:extLst>
               <a:ext uri="{FF2B5EF4-FFF2-40B4-BE49-F238E27FC236}">
-                <a16:creationId xmlns:a16="http://schemas.microsoft.com/office/drawing/2014/main" id="{C6C1A798-2404-3A5E-0DE7-9CD42BF2E237}"/>
+                <a16:creationId xmlns:a16="http://schemas.microsoft.com/office/drawing/2014/main" id="{248D4771-A4BC-57D6-495E-3B99DE96158C}"/>
               </a:ext>
             </a:extLst>
           </p:cNvPr>
@@ -166,7 +166,7 @@
           <p:cNvPr id="3" name="副标题 2">
             <a:extLst>
               <a:ext uri="{FF2B5EF4-FFF2-40B4-BE49-F238E27FC236}">
-                <a16:creationId xmlns:a16="http://schemas.microsoft.com/office/drawing/2014/main" id="{1BA14569-6C77-46CF-5180-F3FB120577F0}"/>
+                <a16:creationId xmlns:a16="http://schemas.microsoft.com/office/drawing/2014/main" id="{67B895FA-EE33-CF58-835E-6185F8676A4A}"/>
               </a:ext>
             </a:extLst>
           </p:cNvPr>
@@ -236,7 +236,7 @@
           <p:cNvPr id="4" name="日期占位符 3">
             <a:extLst>
               <a:ext uri="{FF2B5EF4-FFF2-40B4-BE49-F238E27FC236}">
-                <a16:creationId xmlns:a16="http://schemas.microsoft.com/office/drawing/2014/main" id="{497266EF-16E7-8C82-17BE-41011464C4BB}"/>
+                <a16:creationId xmlns:a16="http://schemas.microsoft.com/office/drawing/2014/main" id="{8EA91E5B-8B28-AE55-D89D-68D6490F0A0B}"/>
               </a:ext>
             </a:extLst>
           </p:cNvPr>
@@ -252,7 +252,7 @@
           <a:bodyPr/>
           <a:lstStyle/>
           <a:p>
-            <a:fld id="{F4D42376-F9C0-4281-A9D1-FA5E2D34CCCC}" type="datetimeFigureOut">
+            <a:fld id="{45A9463C-764B-498F-B21F-C3BE43B7048C}" type="datetimeFigureOut">
               <a:rPr lang="zh-CN" altLang="en-US" smtClean="0"/>
               <a:t>2024/3/10</a:t>
             </a:fld>
@@ -265,7 +265,7 @@
           <p:cNvPr id="5" name="页脚占位符 4">
             <a:extLst>
               <a:ext uri="{FF2B5EF4-FFF2-40B4-BE49-F238E27FC236}">
-                <a16:creationId xmlns:a16="http://schemas.microsoft.com/office/drawing/2014/main" id="{1584DE92-05DE-A81E-5C6D-F43D3B5B4012}"/>
+                <a16:creationId xmlns:a16="http://schemas.microsoft.com/office/drawing/2014/main" id="{B624714B-BF1A-2AB4-A843-8D8E593B2052}"/>
               </a:ext>
             </a:extLst>
           </p:cNvPr>
@@ -290,7 +290,7 @@
           <p:cNvPr id="6" name="灯片编号占位符 5">
             <a:extLst>
               <a:ext uri="{FF2B5EF4-FFF2-40B4-BE49-F238E27FC236}">
-                <a16:creationId xmlns:a16="http://schemas.microsoft.com/office/drawing/2014/main" id="{5A45AB45-94BC-E3D5-FD52-F3D89F16723D}"/>
+                <a16:creationId xmlns:a16="http://schemas.microsoft.com/office/drawing/2014/main" id="{F7AE0A25-25F9-ABA4-E201-4BE1C827F55B}"/>
               </a:ext>
             </a:extLst>
           </p:cNvPr>
@@ -306,7 +306,7 @@
           <a:bodyPr/>
           <a:lstStyle/>
           <a:p>
-            <a:fld id="{45EE20B1-41ED-49BC-B4FD-0DBF630D908B}" type="slidenum">
+            <a:fld id="{93A625C8-E36E-4FC0-B125-80D3857AB978}" type="slidenum">
               <a:rPr lang="zh-CN" altLang="en-US" smtClean="0"/>
               <a:t>‹#›</a:t>
             </a:fld>
@@ -317,7 +317,7 @@
     </p:spTree>
     <p:extLst>
       <p:ext uri="{BB962C8B-B14F-4D97-AF65-F5344CB8AC3E}">
-        <p14:creationId xmlns:p14="http://schemas.microsoft.com/office/powerpoint/2010/main" val="1979881171"/>
+        <p14:creationId xmlns:p14="http://schemas.microsoft.com/office/powerpoint/2010/main" val="3294775754"/>
       </p:ext>
     </p:extLst>
   </p:cSld>
@@ -349,7 +349,7 @@
           <p:cNvPr id="2" name="标题 1">
             <a:extLst>
               <a:ext uri="{FF2B5EF4-FFF2-40B4-BE49-F238E27FC236}">
-                <a16:creationId xmlns:a16="http://schemas.microsoft.com/office/drawing/2014/main" id="{E3AD88CD-BACA-12F1-45BE-67869C6E93BC}"/>
+                <a16:creationId xmlns:a16="http://schemas.microsoft.com/office/drawing/2014/main" id="{3F4365E6-E115-8599-CCE6-CA1EF5099C5B}"/>
               </a:ext>
             </a:extLst>
           </p:cNvPr>
@@ -377,7 +377,7 @@
           <p:cNvPr id="3" name="竖排文字占位符 2">
             <a:extLst>
               <a:ext uri="{FF2B5EF4-FFF2-40B4-BE49-F238E27FC236}">
-                <a16:creationId xmlns:a16="http://schemas.microsoft.com/office/drawing/2014/main" id="{486FD7F6-3C50-398A-66DC-94493D2BAD68}"/>
+                <a16:creationId xmlns:a16="http://schemas.microsoft.com/office/drawing/2014/main" id="{9EB46BE4-9013-58DD-30C3-7E3DB0799AC8}"/>
               </a:ext>
             </a:extLst>
           </p:cNvPr>
@@ -434,7 +434,7 @@
           <p:cNvPr id="4" name="日期占位符 3">
             <a:extLst>
               <a:ext uri="{FF2B5EF4-FFF2-40B4-BE49-F238E27FC236}">
-                <a16:creationId xmlns:a16="http://schemas.microsoft.com/office/drawing/2014/main" id="{E134BF6A-0ADE-4D38-6DB5-A48EC744D63B}"/>
+                <a16:creationId xmlns:a16="http://schemas.microsoft.com/office/drawing/2014/main" id="{7AD31065-E09F-8B90-BB07-146A5E5B1C21}"/>
               </a:ext>
             </a:extLst>
           </p:cNvPr>
@@ -450,7 +450,7 @@
           <a:bodyPr/>
           <a:lstStyle/>
           <a:p>
-            <a:fld id="{F4D42376-F9C0-4281-A9D1-FA5E2D34CCCC}" type="datetimeFigureOut">
+            <a:fld id="{45A9463C-764B-498F-B21F-C3BE43B7048C}" type="datetimeFigureOut">
               <a:rPr lang="zh-CN" altLang="en-US" smtClean="0"/>
               <a:t>2024/3/10</a:t>
             </a:fld>
@@ -463,7 +463,7 @@
           <p:cNvPr id="5" name="页脚占位符 4">
             <a:extLst>
               <a:ext uri="{FF2B5EF4-FFF2-40B4-BE49-F238E27FC236}">
-                <a16:creationId xmlns:a16="http://schemas.microsoft.com/office/drawing/2014/main" id="{B928CFC2-3619-8A1C-E386-AE76DA42E83F}"/>
+                <a16:creationId xmlns:a16="http://schemas.microsoft.com/office/drawing/2014/main" id="{5CA54040-27A9-DBE9-6648-F40FB5FD3795}"/>
               </a:ext>
             </a:extLst>
           </p:cNvPr>
@@ -488,7 +488,7 @@
           <p:cNvPr id="6" name="灯片编号占位符 5">
             <a:extLst>
               <a:ext uri="{FF2B5EF4-FFF2-40B4-BE49-F238E27FC236}">
-                <a16:creationId xmlns:a16="http://schemas.microsoft.com/office/drawing/2014/main" id="{0ED2FE81-BB70-D1ED-A8BC-93A8D44BCFF6}"/>
+                <a16:creationId xmlns:a16="http://schemas.microsoft.com/office/drawing/2014/main" id="{7C7EB30E-5ABC-E852-02F4-34D0C679501C}"/>
               </a:ext>
             </a:extLst>
           </p:cNvPr>
@@ -504,7 +504,7 @@
           <a:bodyPr/>
           <a:lstStyle/>
           <a:p>
-            <a:fld id="{45EE20B1-41ED-49BC-B4FD-0DBF630D908B}" type="slidenum">
+            <a:fld id="{93A625C8-E36E-4FC0-B125-80D3857AB978}" type="slidenum">
               <a:rPr lang="zh-CN" altLang="en-US" smtClean="0"/>
               <a:t>‹#›</a:t>
             </a:fld>
@@ -515,7 +515,7 @@
     </p:spTree>
     <p:extLst>
       <p:ext uri="{BB962C8B-B14F-4D97-AF65-F5344CB8AC3E}">
-        <p14:creationId xmlns:p14="http://schemas.microsoft.com/office/powerpoint/2010/main" val="46719883"/>
+        <p14:creationId xmlns:p14="http://schemas.microsoft.com/office/powerpoint/2010/main" val="794744189"/>
       </p:ext>
     </p:extLst>
   </p:cSld>
@@ -547,7 +547,7 @@
           <p:cNvPr id="2" name="竖排标题 1">
             <a:extLst>
               <a:ext uri="{FF2B5EF4-FFF2-40B4-BE49-F238E27FC236}">
-                <a16:creationId xmlns:a16="http://schemas.microsoft.com/office/drawing/2014/main" id="{1AF1A66A-0997-0EA7-E286-1FAD72AAA086}"/>
+                <a16:creationId xmlns:a16="http://schemas.microsoft.com/office/drawing/2014/main" id="{384D32B5-7DF0-AFAE-8F15-CF2D2711CA5B}"/>
               </a:ext>
             </a:extLst>
           </p:cNvPr>
@@ -580,7 +580,7 @@
           <p:cNvPr id="3" name="竖排文字占位符 2">
             <a:extLst>
               <a:ext uri="{FF2B5EF4-FFF2-40B4-BE49-F238E27FC236}">
-                <a16:creationId xmlns:a16="http://schemas.microsoft.com/office/drawing/2014/main" id="{B47A1CE3-1E66-C331-C250-56E66A58595A}"/>
+                <a16:creationId xmlns:a16="http://schemas.microsoft.com/office/drawing/2014/main" id="{30A89BD0-A742-5580-171E-49344578FA05}"/>
               </a:ext>
             </a:extLst>
           </p:cNvPr>
@@ -642,7 +642,7 @@
           <p:cNvPr id="4" name="日期占位符 3">
             <a:extLst>
               <a:ext uri="{FF2B5EF4-FFF2-40B4-BE49-F238E27FC236}">
-                <a16:creationId xmlns:a16="http://schemas.microsoft.com/office/drawing/2014/main" id="{86F19671-EB26-07FE-27A5-6D4BD1F3A264}"/>
+                <a16:creationId xmlns:a16="http://schemas.microsoft.com/office/drawing/2014/main" id="{04C98FA1-88C8-3136-5A9C-548D44E8E755}"/>
               </a:ext>
             </a:extLst>
           </p:cNvPr>
@@ -658,7 +658,7 @@
           <a:bodyPr/>
           <a:lstStyle/>
           <a:p>
-            <a:fld id="{F4D42376-F9C0-4281-A9D1-FA5E2D34CCCC}" type="datetimeFigureOut">
+            <a:fld id="{45A9463C-764B-498F-B21F-C3BE43B7048C}" type="datetimeFigureOut">
               <a:rPr lang="zh-CN" altLang="en-US" smtClean="0"/>
               <a:t>2024/3/10</a:t>
             </a:fld>
@@ -671,7 +671,7 @@
           <p:cNvPr id="5" name="页脚占位符 4">
             <a:extLst>
               <a:ext uri="{FF2B5EF4-FFF2-40B4-BE49-F238E27FC236}">
-                <a16:creationId xmlns:a16="http://schemas.microsoft.com/office/drawing/2014/main" id="{3CC88475-B957-7F8E-24F8-31F50E5B9D85}"/>
+                <a16:creationId xmlns:a16="http://schemas.microsoft.com/office/drawing/2014/main" id="{DEC314BC-DA0B-36CD-62CA-C320FB412B3D}"/>
               </a:ext>
             </a:extLst>
           </p:cNvPr>
@@ -696,7 +696,7 @@
           <p:cNvPr id="6" name="灯片编号占位符 5">
             <a:extLst>
               <a:ext uri="{FF2B5EF4-FFF2-40B4-BE49-F238E27FC236}">
-                <a16:creationId xmlns:a16="http://schemas.microsoft.com/office/drawing/2014/main" id="{41AF4883-1D94-12E9-93E7-3DA4EEF64C75}"/>
+                <a16:creationId xmlns:a16="http://schemas.microsoft.com/office/drawing/2014/main" id="{6355C196-14DF-F265-9EC8-05E3962AB943}"/>
               </a:ext>
             </a:extLst>
           </p:cNvPr>
@@ -712,7 +712,7 @@
           <a:bodyPr/>
           <a:lstStyle/>
           <a:p>
-            <a:fld id="{45EE20B1-41ED-49BC-B4FD-0DBF630D908B}" type="slidenum">
+            <a:fld id="{93A625C8-E36E-4FC0-B125-80D3857AB978}" type="slidenum">
               <a:rPr lang="zh-CN" altLang="en-US" smtClean="0"/>
               <a:t>‹#›</a:t>
             </a:fld>
@@ -723,7 +723,7 @@
     </p:spTree>
     <p:extLst>
       <p:ext uri="{BB962C8B-B14F-4D97-AF65-F5344CB8AC3E}">
-        <p14:creationId xmlns:p14="http://schemas.microsoft.com/office/powerpoint/2010/main" val="1001568926"/>
+        <p14:creationId xmlns:p14="http://schemas.microsoft.com/office/powerpoint/2010/main" val="1896497071"/>
       </p:ext>
     </p:extLst>
   </p:cSld>
@@ -755,7 +755,7 @@
           <p:cNvPr id="2" name="标题 1">
             <a:extLst>
               <a:ext uri="{FF2B5EF4-FFF2-40B4-BE49-F238E27FC236}">
-                <a16:creationId xmlns:a16="http://schemas.microsoft.com/office/drawing/2014/main" id="{65C0E805-B2DE-D71D-9D1A-E5E6FDB06B8E}"/>
+                <a16:creationId xmlns:a16="http://schemas.microsoft.com/office/drawing/2014/main" id="{2FA1B2F2-F576-17A7-F4D8-8AE060EC33B9}"/>
               </a:ext>
             </a:extLst>
           </p:cNvPr>
@@ -783,7 +783,7 @@
           <p:cNvPr id="3" name="内容占位符 2">
             <a:extLst>
               <a:ext uri="{FF2B5EF4-FFF2-40B4-BE49-F238E27FC236}">
-                <a16:creationId xmlns:a16="http://schemas.microsoft.com/office/drawing/2014/main" id="{43D22E89-7556-AA78-ED29-896263642949}"/>
+                <a16:creationId xmlns:a16="http://schemas.microsoft.com/office/drawing/2014/main" id="{875A775E-EF76-2541-4CBF-FED752B52C34}"/>
               </a:ext>
             </a:extLst>
           </p:cNvPr>
@@ -840,7 +840,7 @@
           <p:cNvPr id="4" name="日期占位符 3">
             <a:extLst>
               <a:ext uri="{FF2B5EF4-FFF2-40B4-BE49-F238E27FC236}">
-                <a16:creationId xmlns:a16="http://schemas.microsoft.com/office/drawing/2014/main" id="{8489C0B5-9442-8BFE-6B8E-607BF7457A95}"/>
+                <a16:creationId xmlns:a16="http://schemas.microsoft.com/office/drawing/2014/main" id="{60BA0058-8792-0F2F-7057-DCE50934569C}"/>
               </a:ext>
             </a:extLst>
           </p:cNvPr>
@@ -856,7 +856,7 @@
           <a:bodyPr/>
           <a:lstStyle/>
           <a:p>
-            <a:fld id="{F4D42376-F9C0-4281-A9D1-FA5E2D34CCCC}" type="datetimeFigureOut">
+            <a:fld id="{45A9463C-764B-498F-B21F-C3BE43B7048C}" type="datetimeFigureOut">
               <a:rPr lang="zh-CN" altLang="en-US" smtClean="0"/>
               <a:t>2024/3/10</a:t>
             </a:fld>
@@ -869,7 +869,7 @@
           <p:cNvPr id="5" name="页脚占位符 4">
             <a:extLst>
               <a:ext uri="{FF2B5EF4-FFF2-40B4-BE49-F238E27FC236}">
-                <a16:creationId xmlns:a16="http://schemas.microsoft.com/office/drawing/2014/main" id="{632B317B-4D9F-BC0F-33BA-3A084AEE9A00}"/>
+                <a16:creationId xmlns:a16="http://schemas.microsoft.com/office/drawing/2014/main" id="{04DAD1DB-E8AF-4131-8422-816C753AD2C2}"/>
               </a:ext>
             </a:extLst>
           </p:cNvPr>
@@ -894,7 +894,7 @@
           <p:cNvPr id="6" name="灯片编号占位符 5">
             <a:extLst>
               <a:ext uri="{FF2B5EF4-FFF2-40B4-BE49-F238E27FC236}">
-                <a16:creationId xmlns:a16="http://schemas.microsoft.com/office/drawing/2014/main" id="{436944F6-C585-4D57-41A3-2464E3FC352C}"/>
+                <a16:creationId xmlns:a16="http://schemas.microsoft.com/office/drawing/2014/main" id="{EE5B885F-DE63-1398-DB09-273BF86432EC}"/>
               </a:ext>
             </a:extLst>
           </p:cNvPr>
@@ -910,7 +910,7 @@
           <a:bodyPr/>
           <a:lstStyle/>
           <a:p>
-            <a:fld id="{45EE20B1-41ED-49BC-B4FD-0DBF630D908B}" type="slidenum">
+            <a:fld id="{93A625C8-E36E-4FC0-B125-80D3857AB978}" type="slidenum">
               <a:rPr lang="zh-CN" altLang="en-US" smtClean="0"/>
               <a:t>‹#›</a:t>
             </a:fld>
@@ -921,7 +921,7 @@
     </p:spTree>
     <p:extLst>
       <p:ext uri="{BB962C8B-B14F-4D97-AF65-F5344CB8AC3E}">
-        <p14:creationId xmlns:p14="http://schemas.microsoft.com/office/powerpoint/2010/main" val="2934128970"/>
+        <p14:creationId xmlns:p14="http://schemas.microsoft.com/office/powerpoint/2010/main" val="3834664983"/>
       </p:ext>
     </p:extLst>
   </p:cSld>
@@ -953,7 +953,7 @@
           <p:cNvPr id="2" name="标题 1">
             <a:extLst>
               <a:ext uri="{FF2B5EF4-FFF2-40B4-BE49-F238E27FC236}">
-                <a16:creationId xmlns:a16="http://schemas.microsoft.com/office/drawing/2014/main" id="{1866402A-4EFD-D53B-274D-9BA488F42AC5}"/>
+                <a16:creationId xmlns:a16="http://schemas.microsoft.com/office/drawing/2014/main" id="{FFF9A3E8-B1DC-4A9C-5578-47A581D4D35D}"/>
               </a:ext>
             </a:extLst>
           </p:cNvPr>
@@ -990,7 +990,7 @@
           <p:cNvPr id="3" name="文本占位符 2">
             <a:extLst>
               <a:ext uri="{FF2B5EF4-FFF2-40B4-BE49-F238E27FC236}">
-                <a16:creationId xmlns:a16="http://schemas.microsoft.com/office/drawing/2014/main" id="{35480396-3F53-D4A9-DC99-F1BF93712DA8}"/>
+                <a16:creationId xmlns:a16="http://schemas.microsoft.com/office/drawing/2014/main" id="{9A301526-2422-EF99-BC29-40F84EB0081A}"/>
               </a:ext>
             </a:extLst>
           </p:cNvPr>
@@ -1115,7 +1115,7 @@
           <p:cNvPr id="4" name="日期占位符 3">
             <a:extLst>
               <a:ext uri="{FF2B5EF4-FFF2-40B4-BE49-F238E27FC236}">
-                <a16:creationId xmlns:a16="http://schemas.microsoft.com/office/drawing/2014/main" id="{814D69D2-8C43-64AC-DE9D-AFBD9F78551F}"/>
+                <a16:creationId xmlns:a16="http://schemas.microsoft.com/office/drawing/2014/main" id="{6ABCE600-5101-BF80-278B-1ADF4769B6F6}"/>
               </a:ext>
             </a:extLst>
           </p:cNvPr>
@@ -1131,7 +1131,7 @@
           <a:bodyPr/>
           <a:lstStyle/>
           <a:p>
-            <a:fld id="{F4D42376-F9C0-4281-A9D1-FA5E2D34CCCC}" type="datetimeFigureOut">
+            <a:fld id="{45A9463C-764B-498F-B21F-C3BE43B7048C}" type="datetimeFigureOut">
               <a:rPr lang="zh-CN" altLang="en-US" smtClean="0"/>
               <a:t>2024/3/10</a:t>
             </a:fld>
@@ -1144,7 +1144,7 @@
           <p:cNvPr id="5" name="页脚占位符 4">
             <a:extLst>
               <a:ext uri="{FF2B5EF4-FFF2-40B4-BE49-F238E27FC236}">
-                <a16:creationId xmlns:a16="http://schemas.microsoft.com/office/drawing/2014/main" id="{6BD134FE-6242-6C63-32DB-BAA788C46E2C}"/>
+                <a16:creationId xmlns:a16="http://schemas.microsoft.com/office/drawing/2014/main" id="{FE80369B-CA8A-2D6B-0B1E-2191D89EBA03}"/>
               </a:ext>
             </a:extLst>
           </p:cNvPr>
@@ -1169,7 +1169,7 @@
           <p:cNvPr id="6" name="灯片编号占位符 5">
             <a:extLst>
               <a:ext uri="{FF2B5EF4-FFF2-40B4-BE49-F238E27FC236}">
-                <a16:creationId xmlns:a16="http://schemas.microsoft.com/office/drawing/2014/main" id="{F4557406-0170-A84C-AC38-C7915B7BDA44}"/>
+                <a16:creationId xmlns:a16="http://schemas.microsoft.com/office/drawing/2014/main" id="{DCFA1507-A30F-D82D-D25B-179D247F2964}"/>
               </a:ext>
             </a:extLst>
           </p:cNvPr>
@@ -1185,7 +1185,7 @@
           <a:bodyPr/>
           <a:lstStyle/>
           <a:p>
-            <a:fld id="{45EE20B1-41ED-49BC-B4FD-0DBF630D908B}" type="slidenum">
+            <a:fld id="{93A625C8-E36E-4FC0-B125-80D3857AB978}" type="slidenum">
               <a:rPr lang="zh-CN" altLang="en-US" smtClean="0"/>
               <a:t>‹#›</a:t>
             </a:fld>
@@ -1196,7 +1196,7 @@
     </p:spTree>
     <p:extLst>
       <p:ext uri="{BB962C8B-B14F-4D97-AF65-F5344CB8AC3E}">
-        <p14:creationId xmlns:p14="http://schemas.microsoft.com/office/powerpoint/2010/main" val="3869692017"/>
+        <p14:creationId xmlns:p14="http://schemas.microsoft.com/office/powerpoint/2010/main" val="83047337"/>
       </p:ext>
     </p:extLst>
   </p:cSld>
@@ -1228,7 +1228,7 @@
           <p:cNvPr id="2" name="标题 1">
             <a:extLst>
               <a:ext uri="{FF2B5EF4-FFF2-40B4-BE49-F238E27FC236}">
-                <a16:creationId xmlns:a16="http://schemas.microsoft.com/office/drawing/2014/main" id="{0F9BD35B-DF2E-4770-720B-59D0645FBFCC}"/>
+                <a16:creationId xmlns:a16="http://schemas.microsoft.com/office/drawing/2014/main" id="{ADDAC524-D151-DD1C-7F47-D965061AFF82}"/>
               </a:ext>
             </a:extLst>
           </p:cNvPr>
@@ -1256,7 +1256,7 @@
           <p:cNvPr id="3" name="内容占位符 2">
             <a:extLst>
               <a:ext uri="{FF2B5EF4-FFF2-40B4-BE49-F238E27FC236}">
-                <a16:creationId xmlns:a16="http://schemas.microsoft.com/office/drawing/2014/main" id="{8E5D0A65-933F-5E7A-C4F3-266077B7F74C}"/>
+                <a16:creationId xmlns:a16="http://schemas.microsoft.com/office/drawing/2014/main" id="{1907DE55-0E9D-5F9A-89BB-4141702555CE}"/>
               </a:ext>
             </a:extLst>
           </p:cNvPr>
@@ -1318,7 +1318,7 @@
           <p:cNvPr id="4" name="内容占位符 3">
             <a:extLst>
               <a:ext uri="{FF2B5EF4-FFF2-40B4-BE49-F238E27FC236}">
-                <a16:creationId xmlns:a16="http://schemas.microsoft.com/office/drawing/2014/main" id="{5E787F1C-B266-57E0-C840-77F31CFE17D9}"/>
+                <a16:creationId xmlns:a16="http://schemas.microsoft.com/office/drawing/2014/main" id="{FAB1EAFE-EA42-7D0C-AD9A-ABA6C868CFAF}"/>
               </a:ext>
             </a:extLst>
           </p:cNvPr>
@@ -1380,7 +1380,7 @@
           <p:cNvPr id="5" name="日期占位符 4">
             <a:extLst>
               <a:ext uri="{FF2B5EF4-FFF2-40B4-BE49-F238E27FC236}">
-                <a16:creationId xmlns:a16="http://schemas.microsoft.com/office/drawing/2014/main" id="{549C62FA-50F4-AEC6-65B3-5A30176760D3}"/>
+                <a16:creationId xmlns:a16="http://schemas.microsoft.com/office/drawing/2014/main" id="{1C12BCA7-4F1F-026E-3DEA-A4FB3C2519EF}"/>
               </a:ext>
             </a:extLst>
           </p:cNvPr>
@@ -1396,7 +1396,7 @@
           <a:bodyPr/>
           <a:lstStyle/>
           <a:p>
-            <a:fld id="{F4D42376-F9C0-4281-A9D1-FA5E2D34CCCC}" type="datetimeFigureOut">
+            <a:fld id="{45A9463C-764B-498F-B21F-C3BE43B7048C}" type="datetimeFigureOut">
               <a:rPr lang="zh-CN" altLang="en-US" smtClean="0"/>
               <a:t>2024/3/10</a:t>
             </a:fld>
@@ -1409,7 +1409,7 @@
           <p:cNvPr id="6" name="页脚占位符 5">
             <a:extLst>
               <a:ext uri="{FF2B5EF4-FFF2-40B4-BE49-F238E27FC236}">
-                <a16:creationId xmlns:a16="http://schemas.microsoft.com/office/drawing/2014/main" id="{E2D8C1B1-1FB5-2C9F-3D3E-ED6FB1483593}"/>
+                <a16:creationId xmlns:a16="http://schemas.microsoft.com/office/drawing/2014/main" id="{6092F987-C080-54B0-1567-71D541292E2C}"/>
               </a:ext>
             </a:extLst>
           </p:cNvPr>
@@ -1434,7 +1434,7 @@
           <p:cNvPr id="7" name="灯片编号占位符 6">
             <a:extLst>
               <a:ext uri="{FF2B5EF4-FFF2-40B4-BE49-F238E27FC236}">
-                <a16:creationId xmlns:a16="http://schemas.microsoft.com/office/drawing/2014/main" id="{27962C27-76B9-329C-7157-55D22A4F5834}"/>
+                <a16:creationId xmlns:a16="http://schemas.microsoft.com/office/drawing/2014/main" id="{9A49DC77-478D-7413-E176-6C1CFEA7076E}"/>
               </a:ext>
             </a:extLst>
           </p:cNvPr>
@@ -1450,7 +1450,7 @@
           <a:bodyPr/>
           <a:lstStyle/>
           <a:p>
-            <a:fld id="{45EE20B1-41ED-49BC-B4FD-0DBF630D908B}" type="slidenum">
+            <a:fld id="{93A625C8-E36E-4FC0-B125-80D3857AB978}" type="slidenum">
               <a:rPr lang="zh-CN" altLang="en-US" smtClean="0"/>
               <a:t>‹#›</a:t>
             </a:fld>
@@ -1461,7 +1461,7 @@
     </p:spTree>
     <p:extLst>
       <p:ext uri="{BB962C8B-B14F-4D97-AF65-F5344CB8AC3E}">
-        <p14:creationId xmlns:p14="http://schemas.microsoft.com/office/powerpoint/2010/main" val="3974314309"/>
+        <p14:creationId xmlns:p14="http://schemas.microsoft.com/office/powerpoint/2010/main" val="3850702272"/>
       </p:ext>
     </p:extLst>
   </p:cSld>
@@ -1493,7 +1493,7 @@
           <p:cNvPr id="2" name="标题 1">
             <a:extLst>
               <a:ext uri="{FF2B5EF4-FFF2-40B4-BE49-F238E27FC236}">
-                <a16:creationId xmlns:a16="http://schemas.microsoft.com/office/drawing/2014/main" id="{B8A47F26-5355-EBFD-87B7-A6427D5132F2}"/>
+                <a16:creationId xmlns:a16="http://schemas.microsoft.com/office/drawing/2014/main" id="{05954FA1-15DC-E6F0-1126-E0539343C128}"/>
               </a:ext>
             </a:extLst>
           </p:cNvPr>
@@ -1526,7 +1526,7 @@
           <p:cNvPr id="3" name="文本占位符 2">
             <a:extLst>
               <a:ext uri="{FF2B5EF4-FFF2-40B4-BE49-F238E27FC236}">
-                <a16:creationId xmlns:a16="http://schemas.microsoft.com/office/drawing/2014/main" id="{9C41D719-CDA9-5E41-DB60-9FC3D1EB38D8}"/>
+                <a16:creationId xmlns:a16="http://schemas.microsoft.com/office/drawing/2014/main" id="{B0487EAA-E6AA-F9FE-A0CD-AF56909FA83F}"/>
               </a:ext>
             </a:extLst>
           </p:cNvPr>
@@ -1597,7 +1597,7 @@
           <p:cNvPr id="4" name="内容占位符 3">
             <a:extLst>
               <a:ext uri="{FF2B5EF4-FFF2-40B4-BE49-F238E27FC236}">
-                <a16:creationId xmlns:a16="http://schemas.microsoft.com/office/drawing/2014/main" id="{24302204-AB0D-7DCD-3CF3-E7E1021733EB}"/>
+                <a16:creationId xmlns:a16="http://schemas.microsoft.com/office/drawing/2014/main" id="{C7C5EBD1-B0CF-7794-83E1-8FD5C2437196}"/>
               </a:ext>
             </a:extLst>
           </p:cNvPr>
@@ -1659,7 +1659,7 @@
           <p:cNvPr id="5" name="文本占位符 4">
             <a:extLst>
               <a:ext uri="{FF2B5EF4-FFF2-40B4-BE49-F238E27FC236}">
-                <a16:creationId xmlns:a16="http://schemas.microsoft.com/office/drawing/2014/main" id="{B9409DC5-6326-CFB8-D9C9-0DFF4B63ED22}"/>
+                <a16:creationId xmlns:a16="http://schemas.microsoft.com/office/drawing/2014/main" id="{16D420EF-636E-EDB5-1421-313EBD1D25DA}"/>
               </a:ext>
             </a:extLst>
           </p:cNvPr>
@@ -1730,7 +1730,7 @@
           <p:cNvPr id="6" name="内容占位符 5">
             <a:extLst>
               <a:ext uri="{FF2B5EF4-FFF2-40B4-BE49-F238E27FC236}">
-                <a16:creationId xmlns:a16="http://schemas.microsoft.com/office/drawing/2014/main" id="{1DCC1F6F-2A72-7101-6C28-06C835583625}"/>
+                <a16:creationId xmlns:a16="http://schemas.microsoft.com/office/drawing/2014/main" id="{46E5E8E1-1B88-B308-25A0-820179EE38FE}"/>
               </a:ext>
             </a:extLst>
           </p:cNvPr>
@@ -1792,7 +1792,7 @@
           <p:cNvPr id="7" name="日期占位符 6">
             <a:extLst>
               <a:ext uri="{FF2B5EF4-FFF2-40B4-BE49-F238E27FC236}">
-                <a16:creationId xmlns:a16="http://schemas.microsoft.com/office/drawing/2014/main" id="{EF86E713-7214-CEA0-9C7E-2E5E345EE9AF}"/>
+                <a16:creationId xmlns:a16="http://schemas.microsoft.com/office/drawing/2014/main" id="{5E8B0980-7FC4-865B-447E-F05F61027DF2}"/>
               </a:ext>
             </a:extLst>
           </p:cNvPr>
@@ -1808,7 +1808,7 @@
           <a:bodyPr/>
           <a:lstStyle/>
           <a:p>
-            <a:fld id="{F4D42376-F9C0-4281-A9D1-FA5E2D34CCCC}" type="datetimeFigureOut">
+            <a:fld id="{45A9463C-764B-498F-B21F-C3BE43B7048C}" type="datetimeFigureOut">
               <a:rPr lang="zh-CN" altLang="en-US" smtClean="0"/>
               <a:t>2024/3/10</a:t>
             </a:fld>
@@ -1821,7 +1821,7 @@
           <p:cNvPr id="8" name="页脚占位符 7">
             <a:extLst>
               <a:ext uri="{FF2B5EF4-FFF2-40B4-BE49-F238E27FC236}">
-                <a16:creationId xmlns:a16="http://schemas.microsoft.com/office/drawing/2014/main" id="{51525E41-B3EF-CBB3-6B25-E28FD57D9792}"/>
+                <a16:creationId xmlns:a16="http://schemas.microsoft.com/office/drawing/2014/main" id="{97F24C93-CCC9-67FB-B6E4-B9F8AEF94C9D}"/>
               </a:ext>
             </a:extLst>
           </p:cNvPr>
@@ -1846,7 +1846,7 @@
           <p:cNvPr id="9" name="灯片编号占位符 8">
             <a:extLst>
               <a:ext uri="{FF2B5EF4-FFF2-40B4-BE49-F238E27FC236}">
-                <a16:creationId xmlns:a16="http://schemas.microsoft.com/office/drawing/2014/main" id="{4ED5F3AD-AE07-8718-6B8E-03897F767087}"/>
+                <a16:creationId xmlns:a16="http://schemas.microsoft.com/office/drawing/2014/main" id="{E3847FBB-9AC2-5850-D5E9-1D085F1170A6}"/>
               </a:ext>
             </a:extLst>
           </p:cNvPr>
@@ -1862,7 +1862,7 @@
           <a:bodyPr/>
           <a:lstStyle/>
           <a:p>
-            <a:fld id="{45EE20B1-41ED-49BC-B4FD-0DBF630D908B}" type="slidenum">
+            <a:fld id="{93A625C8-E36E-4FC0-B125-80D3857AB978}" type="slidenum">
               <a:rPr lang="zh-CN" altLang="en-US" smtClean="0"/>
               <a:t>‹#›</a:t>
             </a:fld>
@@ -1873,7 +1873,7 @@
     </p:spTree>
     <p:extLst>
       <p:ext uri="{BB962C8B-B14F-4D97-AF65-F5344CB8AC3E}">
-        <p14:creationId xmlns:p14="http://schemas.microsoft.com/office/powerpoint/2010/main" val="3308358441"/>
+        <p14:creationId xmlns:p14="http://schemas.microsoft.com/office/powerpoint/2010/main" val="3879495836"/>
       </p:ext>
     </p:extLst>
   </p:cSld>
@@ -1905,7 +1905,7 @@
           <p:cNvPr id="2" name="标题 1">
             <a:extLst>
               <a:ext uri="{FF2B5EF4-FFF2-40B4-BE49-F238E27FC236}">
-                <a16:creationId xmlns:a16="http://schemas.microsoft.com/office/drawing/2014/main" id="{F15CD1A1-8934-87C0-BE9C-AC8C5D1C5C40}"/>
+                <a16:creationId xmlns:a16="http://schemas.microsoft.com/office/drawing/2014/main" id="{2DF40C50-7B1D-CA26-8ED4-A6FC2779867D}"/>
               </a:ext>
             </a:extLst>
           </p:cNvPr>
@@ -1933,7 +1933,7 @@
           <p:cNvPr id="3" name="日期占位符 2">
             <a:extLst>
               <a:ext uri="{FF2B5EF4-FFF2-40B4-BE49-F238E27FC236}">
-                <a16:creationId xmlns:a16="http://schemas.microsoft.com/office/drawing/2014/main" id="{EA6B3262-E088-AAE7-E58D-7BE843C8B617}"/>
+                <a16:creationId xmlns:a16="http://schemas.microsoft.com/office/drawing/2014/main" id="{6A1E0C8E-294D-904F-7E1E-5AEFABBDD814}"/>
               </a:ext>
             </a:extLst>
           </p:cNvPr>
@@ -1949,7 +1949,7 @@
           <a:bodyPr/>
           <a:lstStyle/>
           <a:p>
-            <a:fld id="{F4D42376-F9C0-4281-A9D1-FA5E2D34CCCC}" type="datetimeFigureOut">
+            <a:fld id="{45A9463C-764B-498F-B21F-C3BE43B7048C}" type="datetimeFigureOut">
               <a:rPr lang="zh-CN" altLang="en-US" smtClean="0"/>
               <a:t>2024/3/10</a:t>
             </a:fld>
@@ -1962,7 +1962,7 @@
           <p:cNvPr id="4" name="页脚占位符 3">
             <a:extLst>
               <a:ext uri="{FF2B5EF4-FFF2-40B4-BE49-F238E27FC236}">
-                <a16:creationId xmlns:a16="http://schemas.microsoft.com/office/drawing/2014/main" id="{971959C6-57B7-3CF9-CB58-EC55007F8670}"/>
+                <a16:creationId xmlns:a16="http://schemas.microsoft.com/office/drawing/2014/main" id="{ADF7016F-CE4E-C65E-7EA5-1F689508E882}"/>
               </a:ext>
             </a:extLst>
           </p:cNvPr>
@@ -1987,7 +1987,7 @@
           <p:cNvPr id="5" name="灯片编号占位符 4">
             <a:extLst>
               <a:ext uri="{FF2B5EF4-FFF2-40B4-BE49-F238E27FC236}">
-                <a16:creationId xmlns:a16="http://schemas.microsoft.com/office/drawing/2014/main" id="{D387EDB9-762C-E20A-1C13-0A9B7609CF83}"/>
+                <a16:creationId xmlns:a16="http://schemas.microsoft.com/office/drawing/2014/main" id="{B7D3D275-3289-C339-30C8-A7B18D3D1F02}"/>
               </a:ext>
             </a:extLst>
           </p:cNvPr>
@@ -2003,7 +2003,7 @@
           <a:bodyPr/>
           <a:lstStyle/>
           <a:p>
-            <a:fld id="{45EE20B1-41ED-49BC-B4FD-0DBF630D908B}" type="slidenum">
+            <a:fld id="{93A625C8-E36E-4FC0-B125-80D3857AB978}" type="slidenum">
               <a:rPr lang="zh-CN" altLang="en-US" smtClean="0"/>
               <a:t>‹#›</a:t>
             </a:fld>
@@ -2014,7 +2014,7 @@
     </p:spTree>
     <p:extLst>
       <p:ext uri="{BB962C8B-B14F-4D97-AF65-F5344CB8AC3E}">
-        <p14:creationId xmlns:p14="http://schemas.microsoft.com/office/powerpoint/2010/main" val="2262202335"/>
+        <p14:creationId xmlns:p14="http://schemas.microsoft.com/office/powerpoint/2010/main" val="710420538"/>
       </p:ext>
     </p:extLst>
   </p:cSld>
@@ -2046,7 +2046,7 @@
           <p:cNvPr id="2" name="日期占位符 1">
             <a:extLst>
               <a:ext uri="{FF2B5EF4-FFF2-40B4-BE49-F238E27FC236}">
-                <a16:creationId xmlns:a16="http://schemas.microsoft.com/office/drawing/2014/main" id="{7E24BEF5-9568-66A8-7961-92CC77B6B063}"/>
+                <a16:creationId xmlns:a16="http://schemas.microsoft.com/office/drawing/2014/main" id="{2786597C-50DA-20CD-E23B-DD45FF67DD65}"/>
               </a:ext>
             </a:extLst>
           </p:cNvPr>
@@ -2062,7 +2062,7 @@
           <a:bodyPr/>
           <a:lstStyle/>
           <a:p>
-            <a:fld id="{F4D42376-F9C0-4281-A9D1-FA5E2D34CCCC}" type="datetimeFigureOut">
+            <a:fld id="{45A9463C-764B-498F-B21F-C3BE43B7048C}" type="datetimeFigureOut">
               <a:rPr lang="zh-CN" altLang="en-US" smtClean="0"/>
               <a:t>2024/3/10</a:t>
             </a:fld>
@@ -2075,7 +2075,7 @@
           <p:cNvPr id="3" name="页脚占位符 2">
             <a:extLst>
               <a:ext uri="{FF2B5EF4-FFF2-40B4-BE49-F238E27FC236}">
-                <a16:creationId xmlns:a16="http://schemas.microsoft.com/office/drawing/2014/main" id="{4B63F25B-2C92-BAC0-F72C-7D1502A28F0F}"/>
+                <a16:creationId xmlns:a16="http://schemas.microsoft.com/office/drawing/2014/main" id="{934D8C4D-72BE-085D-BE7A-51629CDE87E6}"/>
               </a:ext>
             </a:extLst>
           </p:cNvPr>
@@ -2100,7 +2100,7 @@
           <p:cNvPr id="4" name="灯片编号占位符 3">
             <a:extLst>
               <a:ext uri="{FF2B5EF4-FFF2-40B4-BE49-F238E27FC236}">
-                <a16:creationId xmlns:a16="http://schemas.microsoft.com/office/drawing/2014/main" id="{104C31B5-DAB5-C6CF-4F22-45F109123AFC}"/>
+                <a16:creationId xmlns:a16="http://schemas.microsoft.com/office/drawing/2014/main" id="{A06924E5-B4DE-B37B-BEC8-7065070ED29F}"/>
               </a:ext>
             </a:extLst>
           </p:cNvPr>
@@ -2116,7 +2116,7 @@
           <a:bodyPr/>
           <a:lstStyle/>
           <a:p>
-            <a:fld id="{45EE20B1-41ED-49BC-B4FD-0DBF630D908B}" type="slidenum">
+            <a:fld id="{93A625C8-E36E-4FC0-B125-80D3857AB978}" type="slidenum">
               <a:rPr lang="zh-CN" altLang="en-US" smtClean="0"/>
               <a:t>‹#›</a:t>
             </a:fld>
@@ -2127,7 +2127,7 @@
     </p:spTree>
     <p:extLst>
       <p:ext uri="{BB962C8B-B14F-4D97-AF65-F5344CB8AC3E}">
-        <p14:creationId xmlns:p14="http://schemas.microsoft.com/office/powerpoint/2010/main" val="2077813350"/>
+        <p14:creationId xmlns:p14="http://schemas.microsoft.com/office/powerpoint/2010/main" val="809710039"/>
       </p:ext>
     </p:extLst>
   </p:cSld>
@@ -2159,7 +2159,7 @@
           <p:cNvPr id="2" name="标题 1">
             <a:extLst>
               <a:ext uri="{FF2B5EF4-FFF2-40B4-BE49-F238E27FC236}">
-                <a16:creationId xmlns:a16="http://schemas.microsoft.com/office/drawing/2014/main" id="{0492F500-3C86-3A9D-BB0A-60A86B33E362}"/>
+                <a16:creationId xmlns:a16="http://schemas.microsoft.com/office/drawing/2014/main" id="{5711666B-46C8-1E8F-94AD-A7C750E068EA}"/>
               </a:ext>
             </a:extLst>
           </p:cNvPr>
@@ -2196,7 +2196,7 @@
           <p:cNvPr id="3" name="内容占位符 2">
             <a:extLst>
               <a:ext uri="{FF2B5EF4-FFF2-40B4-BE49-F238E27FC236}">
-                <a16:creationId xmlns:a16="http://schemas.microsoft.com/office/drawing/2014/main" id="{267829F0-655F-1787-BCA2-09E0303602A4}"/>
+                <a16:creationId xmlns:a16="http://schemas.microsoft.com/office/drawing/2014/main" id="{84B2A8E9-EA7D-899F-AB59-EB66DDD56831}"/>
               </a:ext>
             </a:extLst>
           </p:cNvPr>
@@ -2286,7 +2286,7 @@
           <p:cNvPr id="4" name="文本占位符 3">
             <a:extLst>
               <a:ext uri="{FF2B5EF4-FFF2-40B4-BE49-F238E27FC236}">
-                <a16:creationId xmlns:a16="http://schemas.microsoft.com/office/drawing/2014/main" id="{82DF3BB7-A87E-969B-FC4E-5676077EB141}"/>
+                <a16:creationId xmlns:a16="http://schemas.microsoft.com/office/drawing/2014/main" id="{01413023-7137-5046-1942-F67975283014}"/>
               </a:ext>
             </a:extLst>
           </p:cNvPr>
@@ -2357,7 +2357,7 @@
           <p:cNvPr id="5" name="日期占位符 4">
             <a:extLst>
               <a:ext uri="{FF2B5EF4-FFF2-40B4-BE49-F238E27FC236}">
-                <a16:creationId xmlns:a16="http://schemas.microsoft.com/office/drawing/2014/main" id="{72DAB2FE-0FB0-06DE-A992-8D93E9B3E9FD}"/>
+                <a16:creationId xmlns:a16="http://schemas.microsoft.com/office/drawing/2014/main" id="{06F44884-128E-DF06-9CDB-CED0BE3FFA0D}"/>
               </a:ext>
             </a:extLst>
           </p:cNvPr>
@@ -2373,7 +2373,7 @@
           <a:bodyPr/>
           <a:lstStyle/>
           <a:p>
-            <a:fld id="{F4D42376-F9C0-4281-A9D1-FA5E2D34CCCC}" type="datetimeFigureOut">
+            <a:fld id="{45A9463C-764B-498F-B21F-C3BE43B7048C}" type="datetimeFigureOut">
               <a:rPr lang="zh-CN" altLang="en-US" smtClean="0"/>
               <a:t>2024/3/10</a:t>
             </a:fld>
@@ -2386,7 +2386,7 @@
           <p:cNvPr id="6" name="页脚占位符 5">
             <a:extLst>
               <a:ext uri="{FF2B5EF4-FFF2-40B4-BE49-F238E27FC236}">
-                <a16:creationId xmlns:a16="http://schemas.microsoft.com/office/drawing/2014/main" id="{55B101C3-DA12-1B3F-86C2-9EBEC006FC03}"/>
+                <a16:creationId xmlns:a16="http://schemas.microsoft.com/office/drawing/2014/main" id="{71AD37D4-391F-C9E7-3B8B-49D5332B7973}"/>
               </a:ext>
             </a:extLst>
           </p:cNvPr>
@@ -2411,7 +2411,7 @@
           <p:cNvPr id="7" name="灯片编号占位符 6">
             <a:extLst>
               <a:ext uri="{FF2B5EF4-FFF2-40B4-BE49-F238E27FC236}">
-                <a16:creationId xmlns:a16="http://schemas.microsoft.com/office/drawing/2014/main" id="{52F7B9DE-EE6C-5D47-F538-DEAEF5FBA300}"/>
+                <a16:creationId xmlns:a16="http://schemas.microsoft.com/office/drawing/2014/main" id="{1141DF83-DDCE-62F8-E6C2-01BC9E04397D}"/>
               </a:ext>
             </a:extLst>
           </p:cNvPr>
@@ -2427,7 +2427,7 @@
           <a:bodyPr/>
           <a:lstStyle/>
           <a:p>
-            <a:fld id="{45EE20B1-41ED-49BC-B4FD-0DBF630D908B}" type="slidenum">
+            <a:fld id="{93A625C8-E36E-4FC0-B125-80D3857AB978}" type="slidenum">
               <a:rPr lang="zh-CN" altLang="en-US" smtClean="0"/>
               <a:t>‹#›</a:t>
             </a:fld>
@@ -2438,7 +2438,7 @@
     </p:spTree>
     <p:extLst>
       <p:ext uri="{BB962C8B-B14F-4D97-AF65-F5344CB8AC3E}">
-        <p14:creationId xmlns:p14="http://schemas.microsoft.com/office/powerpoint/2010/main" val="1701910657"/>
+        <p14:creationId xmlns:p14="http://schemas.microsoft.com/office/powerpoint/2010/main" val="3117852376"/>
       </p:ext>
     </p:extLst>
   </p:cSld>
@@ -2470,7 +2470,7 @@
           <p:cNvPr id="2" name="标题 1">
             <a:extLst>
               <a:ext uri="{FF2B5EF4-FFF2-40B4-BE49-F238E27FC236}">
-                <a16:creationId xmlns:a16="http://schemas.microsoft.com/office/drawing/2014/main" id="{8B8B6E1A-32A1-A547-316A-903FBB16747E}"/>
+                <a16:creationId xmlns:a16="http://schemas.microsoft.com/office/drawing/2014/main" id="{6367C376-4761-CEE2-7B2D-6F0DD091F6DF}"/>
               </a:ext>
             </a:extLst>
           </p:cNvPr>
@@ -2507,7 +2507,7 @@
           <p:cNvPr id="3" name="图片占位符 2">
             <a:extLst>
               <a:ext uri="{FF2B5EF4-FFF2-40B4-BE49-F238E27FC236}">
-                <a16:creationId xmlns:a16="http://schemas.microsoft.com/office/drawing/2014/main" id="{90B13428-ECAE-E1D8-5C38-5E2F23AAE56F}"/>
+                <a16:creationId xmlns:a16="http://schemas.microsoft.com/office/drawing/2014/main" id="{981DA59F-470F-05EE-A7DB-2233410721F4}"/>
               </a:ext>
             </a:extLst>
           </p:cNvPr>
@@ -2574,7 +2574,7 @@
           <p:cNvPr id="4" name="文本占位符 3">
             <a:extLst>
               <a:ext uri="{FF2B5EF4-FFF2-40B4-BE49-F238E27FC236}">
-                <a16:creationId xmlns:a16="http://schemas.microsoft.com/office/drawing/2014/main" id="{6E449203-B7A9-F131-9963-F16C4B1E221C}"/>
+                <a16:creationId xmlns:a16="http://schemas.microsoft.com/office/drawing/2014/main" id="{84CC38A4-62AF-B9A1-61FA-BFDB8F4F7704}"/>
               </a:ext>
             </a:extLst>
           </p:cNvPr>
@@ -2645,7 +2645,7 @@
           <p:cNvPr id="5" name="日期占位符 4">
             <a:extLst>
               <a:ext uri="{FF2B5EF4-FFF2-40B4-BE49-F238E27FC236}">
-                <a16:creationId xmlns:a16="http://schemas.microsoft.com/office/drawing/2014/main" id="{46BA89B5-AE6B-7AF6-D5A4-AFCBB70EE98A}"/>
+                <a16:creationId xmlns:a16="http://schemas.microsoft.com/office/drawing/2014/main" id="{5691DD28-DA13-2D7E-F9F2-CE6C56A6D307}"/>
               </a:ext>
             </a:extLst>
           </p:cNvPr>
@@ -2661,7 +2661,7 @@
           <a:bodyPr/>
           <a:lstStyle/>
           <a:p>
-            <a:fld id="{F4D42376-F9C0-4281-A9D1-FA5E2D34CCCC}" type="datetimeFigureOut">
+            <a:fld id="{45A9463C-764B-498F-B21F-C3BE43B7048C}" type="datetimeFigureOut">
               <a:rPr lang="zh-CN" altLang="en-US" smtClean="0"/>
               <a:t>2024/3/10</a:t>
             </a:fld>
@@ -2674,7 +2674,7 @@
           <p:cNvPr id="6" name="页脚占位符 5">
             <a:extLst>
               <a:ext uri="{FF2B5EF4-FFF2-40B4-BE49-F238E27FC236}">
-                <a16:creationId xmlns:a16="http://schemas.microsoft.com/office/drawing/2014/main" id="{C42775C0-B1F6-558C-705E-F59BD76D42C7}"/>
+                <a16:creationId xmlns:a16="http://schemas.microsoft.com/office/drawing/2014/main" id="{A244F6E0-1069-ABB7-2101-8BB4A492EF51}"/>
               </a:ext>
             </a:extLst>
           </p:cNvPr>
@@ -2699,7 +2699,7 @@
           <p:cNvPr id="7" name="灯片编号占位符 6">
             <a:extLst>
               <a:ext uri="{FF2B5EF4-FFF2-40B4-BE49-F238E27FC236}">
-                <a16:creationId xmlns:a16="http://schemas.microsoft.com/office/drawing/2014/main" id="{81341910-7CE4-C8F9-21A5-B436F0CAEF4B}"/>
+                <a16:creationId xmlns:a16="http://schemas.microsoft.com/office/drawing/2014/main" id="{90988E80-E558-A16F-29C3-555C426D62AA}"/>
               </a:ext>
             </a:extLst>
           </p:cNvPr>
@@ -2715,7 +2715,7 @@
           <a:bodyPr/>
           <a:lstStyle/>
           <a:p>
-            <a:fld id="{45EE20B1-41ED-49BC-B4FD-0DBF630D908B}" type="slidenum">
+            <a:fld id="{93A625C8-E36E-4FC0-B125-80D3857AB978}" type="slidenum">
               <a:rPr lang="zh-CN" altLang="en-US" smtClean="0"/>
               <a:t>‹#›</a:t>
             </a:fld>
@@ -2726,7 +2726,7 @@
     </p:spTree>
     <p:extLst>
       <p:ext uri="{BB962C8B-B14F-4D97-AF65-F5344CB8AC3E}">
-        <p14:creationId xmlns:p14="http://schemas.microsoft.com/office/powerpoint/2010/main" val="4164214432"/>
+        <p14:creationId xmlns:p14="http://schemas.microsoft.com/office/powerpoint/2010/main" val="572620261"/>
       </p:ext>
     </p:extLst>
   </p:cSld>
@@ -2763,7 +2763,7 @@
           <p:cNvPr id="2" name="标题占位符 1">
             <a:extLst>
               <a:ext uri="{FF2B5EF4-FFF2-40B4-BE49-F238E27FC236}">
-                <a16:creationId xmlns:a16="http://schemas.microsoft.com/office/drawing/2014/main" id="{BEE6DFFA-8640-7223-11B5-E791A865BD29}"/>
+                <a16:creationId xmlns:a16="http://schemas.microsoft.com/office/drawing/2014/main" id="{7C960811-233B-6FF1-E8CC-9C854D5E58F3}"/>
               </a:ext>
             </a:extLst>
           </p:cNvPr>
@@ -2801,7 +2801,7 @@
           <p:cNvPr id="3" name="文本占位符 2">
             <a:extLst>
               <a:ext uri="{FF2B5EF4-FFF2-40B4-BE49-F238E27FC236}">
-                <a16:creationId xmlns:a16="http://schemas.microsoft.com/office/drawing/2014/main" id="{47F29292-10CF-1DB0-220B-415669C11697}"/>
+                <a16:creationId xmlns:a16="http://schemas.microsoft.com/office/drawing/2014/main" id="{28ECF221-5CE2-7DDC-0757-55FEE1E3E8D9}"/>
               </a:ext>
             </a:extLst>
           </p:cNvPr>
@@ -2868,7 +2868,7 @@
           <p:cNvPr id="4" name="日期占位符 3">
             <a:extLst>
               <a:ext uri="{FF2B5EF4-FFF2-40B4-BE49-F238E27FC236}">
-                <a16:creationId xmlns:a16="http://schemas.microsoft.com/office/drawing/2014/main" id="{2C3FE49E-8AA3-2D99-48A5-EC5F0A683AE0}"/>
+                <a16:creationId xmlns:a16="http://schemas.microsoft.com/office/drawing/2014/main" id="{32766B1D-9D8B-7F00-A144-691470614D26}"/>
               </a:ext>
             </a:extLst>
           </p:cNvPr>
@@ -2902,7 +2902,7 @@
             </a:lvl1pPr>
           </a:lstStyle>
           <a:p>
-            <a:fld id="{F4D42376-F9C0-4281-A9D1-FA5E2D34CCCC}" type="datetimeFigureOut">
+            <a:fld id="{45A9463C-764B-498F-B21F-C3BE43B7048C}" type="datetimeFigureOut">
               <a:rPr lang="zh-CN" altLang="en-US" smtClean="0"/>
               <a:t>2024/3/10</a:t>
             </a:fld>
@@ -2915,7 +2915,7 @@
           <p:cNvPr id="5" name="页脚占位符 4">
             <a:extLst>
               <a:ext uri="{FF2B5EF4-FFF2-40B4-BE49-F238E27FC236}">
-                <a16:creationId xmlns:a16="http://schemas.microsoft.com/office/drawing/2014/main" id="{71D8F477-9CB7-2784-02FA-BC675F0E07FC}"/>
+                <a16:creationId xmlns:a16="http://schemas.microsoft.com/office/drawing/2014/main" id="{0D406389-0CCA-4A5B-6232-962819AC818F}"/>
               </a:ext>
             </a:extLst>
           </p:cNvPr>
@@ -2958,7 +2958,7 @@
           <p:cNvPr id="6" name="灯片编号占位符 5">
             <a:extLst>
               <a:ext uri="{FF2B5EF4-FFF2-40B4-BE49-F238E27FC236}">
-                <a16:creationId xmlns:a16="http://schemas.microsoft.com/office/drawing/2014/main" id="{66ECE054-5ED0-158F-7419-066ED0F94179}"/>
+                <a16:creationId xmlns:a16="http://schemas.microsoft.com/office/drawing/2014/main" id="{CBD81893-8043-1891-FDEB-8F79E87F7E0A}"/>
               </a:ext>
             </a:extLst>
           </p:cNvPr>
@@ -2992,7 +2992,7 @@
             </a:lvl1pPr>
           </a:lstStyle>
           <a:p>
-            <a:fld id="{45EE20B1-41ED-49BC-B4FD-0DBF630D908B}" type="slidenum">
+            <a:fld id="{93A625C8-E36E-4FC0-B125-80D3857AB978}" type="slidenum">
               <a:rPr lang="zh-CN" altLang="en-US" smtClean="0"/>
               <a:t>‹#›</a:t>
             </a:fld>
@@ -3003,7 +3003,7 @@
     </p:spTree>
     <p:extLst>
       <p:ext uri="{BB962C8B-B14F-4D97-AF65-F5344CB8AC3E}">
-        <p14:creationId xmlns:p14="http://schemas.microsoft.com/office/powerpoint/2010/main" val="3129978454"/>
+        <p14:creationId xmlns:p14="http://schemas.microsoft.com/office/powerpoint/2010/main" val="1507198441"/>
       </p:ext>
     </p:extLst>
   </p:cSld>
@@ -3323,7 +3323,7 @@
       </p:grpSpPr>
       <p:pic>
         <p:nvPicPr>
-          <p:cNvPr id="1276930" name="Picture 2" descr="1246"/>
+          <p:cNvPr id="1277954" name="Picture 2" descr="1247"/>
           <p:cNvPicPr>
             <a:picLocks noChangeAspect="1" noChangeArrowheads="1"/>
           </p:cNvPicPr>
@@ -3377,7 +3377,7 @@
       </p:pic>
       <p:pic>
         <p:nvPicPr>
-          <p:cNvPr id="1277955" name="Picture 3" descr="1246-2"/>
+          <p:cNvPr id="1278979" name="Picture 3" descr="1247-2"/>
           <p:cNvPicPr>
             <a:picLocks noChangeAspect="1" noChangeArrowheads="1"/>
           </p:cNvPicPr>
@@ -3398,8 +3398,8 @@
         </p:blipFill>
         <p:spPr bwMode="auto">
           <a:xfrm>
-            <a:off x="1524000" y="0"/>
-            <a:ext cx="9144000" cy="6858000"/>
+            <a:off x="1543050" y="0"/>
+            <a:ext cx="9124950" cy="6859588"/>
           </a:xfrm>
           <a:prstGeom prst="rect">
             <a:avLst/>
@@ -3478,7 +3478,7 @@
                                           </p:stCondLst>
                                         </p:cTn>
                                         <p:tgtEl>
-                                          <p:spTgt spid="1277955"/>
+                                          <p:spTgt spid="1278979"/>
                                         </p:tgtEl>
                                         <p:attrNameLst>
                                           <p:attrName>style.visibility</p:attrName>
@@ -3492,7 +3492,7 @@
                                       <p:cBhvr>
                                         <p:cTn id="7" dur="500"/>
                                         <p:tgtEl>
-                                          <p:spTgt spid="1277955"/>
+                                          <p:spTgt spid="1278979"/>
                                         </p:tgtEl>
                                       </p:cBhvr>
                                     </p:animEffect>
